--- a/Sectional Project 2/CIS490 - SP2.pptx
+++ b/Sectional Project 2/CIS490 - SP2.pptx
@@ -4,6 +4,9 @@
   <p:sldMasterIdLst>
     <p:sldMasterId id="2147483648" r:id="rId1"/>
   </p:sldMasterIdLst>
+  <p:notesMasterIdLst>
+    <p:notesMasterId r:id="rId12"/>
+  </p:notesMasterIdLst>
   <p:sldIdLst>
     <p:sldId id="256" r:id="rId2"/>
     <p:sldId id="257" r:id="rId3"/>
@@ -1151,6 +1154,775 @@
 </pc:chgInfo>
 </file>
 
+<file path=ppt/notesMasters/notesMaster1.xml><?xml version="1.0" encoding="utf-8"?>
+<p:notesMaster xmlns:a="http://schemas.openxmlformats.org/drawingml/2006/main" xmlns:r="http://schemas.openxmlformats.org/officeDocument/2006/relationships" xmlns:p="http://schemas.openxmlformats.org/presentationml/2006/main">
+  <p:cSld>
+    <p:bg>
+      <p:bgRef idx="1001">
+        <a:schemeClr val="bg1"/>
+      </p:bgRef>
+    </p:bg>
+    <p:spTree>
+      <p:nvGrpSpPr>
+        <p:cNvPr id="1" name=""/>
+        <p:cNvGrpSpPr/>
+        <p:nvPr/>
+      </p:nvGrpSpPr>
+      <p:grpSpPr>
+        <a:xfrm>
+          <a:off x="0" y="0"/>
+          <a:ext cx="0" cy="0"/>
+          <a:chOff x="0" y="0"/>
+          <a:chExt cx="0" cy="0"/>
+        </a:xfrm>
+      </p:grpSpPr>
+      <p:sp>
+        <p:nvSpPr>
+          <p:cNvPr id="2" name="Header Placeholder 1"/>
+          <p:cNvSpPr>
+            <a:spLocks noGrp="1"/>
+          </p:cNvSpPr>
+          <p:nvPr>
+            <p:ph type="hdr" sz="quarter"/>
+          </p:nvPr>
+        </p:nvSpPr>
+        <p:spPr>
+          <a:xfrm>
+            <a:off x="0" y="0"/>
+            <a:ext cx="2971800" cy="458788"/>
+          </a:xfrm>
+          <a:prstGeom prst="rect">
+            <a:avLst/>
+          </a:prstGeom>
+        </p:spPr>
+        <p:txBody>
+          <a:bodyPr vert="horz" lIns="91440" tIns="45720" rIns="91440" bIns="45720" rtlCol="0"/>
+          <a:lstStyle>
+            <a:lvl1pPr algn="l">
+              <a:defRPr sz="1200"/>
+            </a:lvl1pPr>
+          </a:lstStyle>
+          <a:p>
+            <a:endParaRPr lang="en-US"/>
+          </a:p>
+        </p:txBody>
+      </p:sp>
+      <p:sp>
+        <p:nvSpPr>
+          <p:cNvPr id="3" name="Date Placeholder 2"/>
+          <p:cNvSpPr>
+            <a:spLocks noGrp="1"/>
+          </p:cNvSpPr>
+          <p:nvPr>
+            <p:ph type="dt" idx="1"/>
+          </p:nvPr>
+        </p:nvSpPr>
+        <p:spPr>
+          <a:xfrm>
+            <a:off x="3884613" y="0"/>
+            <a:ext cx="2971800" cy="458788"/>
+          </a:xfrm>
+          <a:prstGeom prst="rect">
+            <a:avLst/>
+          </a:prstGeom>
+        </p:spPr>
+        <p:txBody>
+          <a:bodyPr vert="horz" lIns="91440" tIns="45720" rIns="91440" bIns="45720" rtlCol="0"/>
+          <a:lstStyle>
+            <a:lvl1pPr algn="r">
+              <a:defRPr sz="1200"/>
+            </a:lvl1pPr>
+          </a:lstStyle>
+          <a:p>
+            <a:fld id="{CB74C57F-78BC-9349-91FB-53AFC8A245C9}" type="datetimeFigureOut">
+              <a:rPr lang="en-US" smtClean="0"/>
+              <a:t>3/22/22</a:t>
+            </a:fld>
+            <a:endParaRPr lang="en-US"/>
+          </a:p>
+        </p:txBody>
+      </p:sp>
+      <p:sp>
+        <p:nvSpPr>
+          <p:cNvPr id="4" name="Slide Image Placeholder 3"/>
+          <p:cNvSpPr>
+            <a:spLocks noGrp="1" noRot="1" noChangeAspect="1"/>
+          </p:cNvSpPr>
+          <p:nvPr>
+            <p:ph type="sldImg" idx="2"/>
+          </p:nvPr>
+        </p:nvSpPr>
+        <p:spPr>
+          <a:xfrm>
+            <a:off x="685800" y="1143000"/>
+            <a:ext cx="5486400" cy="3086100"/>
+          </a:xfrm>
+          <a:prstGeom prst="rect">
+            <a:avLst/>
+          </a:prstGeom>
+          <a:noFill/>
+          <a:ln w="12700">
+            <a:solidFill>
+              <a:prstClr val="black"/>
+            </a:solidFill>
+          </a:ln>
+        </p:spPr>
+        <p:txBody>
+          <a:bodyPr vert="horz" lIns="91440" tIns="45720" rIns="91440" bIns="45720" rtlCol="0" anchor="ctr"/>
+          <a:lstStyle/>
+          <a:p>
+            <a:endParaRPr lang="en-US"/>
+          </a:p>
+        </p:txBody>
+      </p:sp>
+      <p:sp>
+        <p:nvSpPr>
+          <p:cNvPr id="5" name="Notes Placeholder 4"/>
+          <p:cNvSpPr>
+            <a:spLocks noGrp="1"/>
+          </p:cNvSpPr>
+          <p:nvPr>
+            <p:ph type="body" sz="quarter" idx="3"/>
+          </p:nvPr>
+        </p:nvSpPr>
+        <p:spPr>
+          <a:xfrm>
+            <a:off x="685800" y="4400550"/>
+            <a:ext cx="5486400" cy="3600450"/>
+          </a:xfrm>
+          <a:prstGeom prst="rect">
+            <a:avLst/>
+          </a:prstGeom>
+        </p:spPr>
+        <p:txBody>
+          <a:bodyPr vert="horz" lIns="91440" tIns="45720" rIns="91440" bIns="45720" rtlCol="0"/>
+          <a:lstStyle/>
+          <a:p>
+            <a:pPr lvl="0"/>
+            <a:r>
+              <a:rPr lang="en-US"/>
+              <a:t>Click to edit Master text styles</a:t>
+            </a:r>
+          </a:p>
+          <a:p>
+            <a:pPr lvl="1"/>
+            <a:r>
+              <a:rPr lang="en-US"/>
+              <a:t>Second level</a:t>
+            </a:r>
+          </a:p>
+          <a:p>
+            <a:pPr lvl="2"/>
+            <a:r>
+              <a:rPr lang="en-US"/>
+              <a:t>Third level</a:t>
+            </a:r>
+          </a:p>
+          <a:p>
+            <a:pPr lvl="3"/>
+            <a:r>
+              <a:rPr lang="en-US"/>
+              <a:t>Fourth level</a:t>
+            </a:r>
+          </a:p>
+          <a:p>
+            <a:pPr lvl="4"/>
+            <a:r>
+              <a:rPr lang="en-US"/>
+              <a:t>Fifth level</a:t>
+            </a:r>
+          </a:p>
+        </p:txBody>
+      </p:sp>
+      <p:sp>
+        <p:nvSpPr>
+          <p:cNvPr id="6" name="Footer Placeholder 5"/>
+          <p:cNvSpPr>
+            <a:spLocks noGrp="1"/>
+          </p:cNvSpPr>
+          <p:nvPr>
+            <p:ph type="ftr" sz="quarter" idx="4"/>
+          </p:nvPr>
+        </p:nvSpPr>
+        <p:spPr>
+          <a:xfrm>
+            <a:off x="0" y="8685213"/>
+            <a:ext cx="2971800" cy="458787"/>
+          </a:xfrm>
+          <a:prstGeom prst="rect">
+            <a:avLst/>
+          </a:prstGeom>
+        </p:spPr>
+        <p:txBody>
+          <a:bodyPr vert="horz" lIns="91440" tIns="45720" rIns="91440" bIns="45720" rtlCol="0" anchor="b"/>
+          <a:lstStyle>
+            <a:lvl1pPr algn="l">
+              <a:defRPr sz="1200"/>
+            </a:lvl1pPr>
+          </a:lstStyle>
+          <a:p>
+            <a:endParaRPr lang="en-US"/>
+          </a:p>
+        </p:txBody>
+      </p:sp>
+      <p:sp>
+        <p:nvSpPr>
+          <p:cNvPr id="7" name="Slide Number Placeholder 6"/>
+          <p:cNvSpPr>
+            <a:spLocks noGrp="1"/>
+          </p:cNvSpPr>
+          <p:nvPr>
+            <p:ph type="sldNum" sz="quarter" idx="5"/>
+          </p:nvPr>
+        </p:nvSpPr>
+        <p:spPr>
+          <a:xfrm>
+            <a:off x="3884613" y="8685213"/>
+            <a:ext cx="2971800" cy="458787"/>
+          </a:xfrm>
+          <a:prstGeom prst="rect">
+            <a:avLst/>
+          </a:prstGeom>
+        </p:spPr>
+        <p:txBody>
+          <a:bodyPr vert="horz" lIns="91440" tIns="45720" rIns="91440" bIns="45720" rtlCol="0" anchor="b"/>
+          <a:lstStyle>
+            <a:lvl1pPr algn="r">
+              <a:defRPr sz="1200"/>
+            </a:lvl1pPr>
+          </a:lstStyle>
+          <a:p>
+            <a:fld id="{F7A92211-49D0-2E49-B267-19248CA69CEF}" type="slidenum">
+              <a:rPr lang="en-US" smtClean="0"/>
+              <a:t>‹#›</a:t>
+            </a:fld>
+            <a:endParaRPr lang="en-US"/>
+          </a:p>
+        </p:txBody>
+      </p:sp>
+    </p:spTree>
+    <p:extLst>
+      <p:ext uri="{BB962C8B-B14F-4D97-AF65-F5344CB8AC3E}">
+        <p14:creationId xmlns:p14="http://schemas.microsoft.com/office/powerpoint/2010/main" val="3594911035"/>
+      </p:ext>
+    </p:extLst>
+  </p:cSld>
+  <p:clrMap bg1="lt1" tx1="dk1" bg2="lt2" tx2="dk2" accent1="accent1" accent2="accent2" accent3="accent3" accent4="accent4" accent5="accent5" accent6="accent6" hlink="hlink" folHlink="folHlink"/>
+  <p:notesStyle>
+    <a:lvl1pPr marL="0" algn="l" defTabSz="914400" rtl="0" eaLnBrk="1" latinLnBrk="0" hangingPunct="1">
+      <a:defRPr sz="1200" kern="1200">
+        <a:solidFill>
+          <a:schemeClr val="tx1"/>
+        </a:solidFill>
+        <a:latin typeface="+mn-lt"/>
+        <a:ea typeface="+mn-ea"/>
+        <a:cs typeface="+mn-cs"/>
+      </a:defRPr>
+    </a:lvl1pPr>
+    <a:lvl2pPr marL="457200" algn="l" defTabSz="914400" rtl="0" eaLnBrk="1" latinLnBrk="0" hangingPunct="1">
+      <a:defRPr sz="1200" kern="1200">
+        <a:solidFill>
+          <a:schemeClr val="tx1"/>
+        </a:solidFill>
+        <a:latin typeface="+mn-lt"/>
+        <a:ea typeface="+mn-ea"/>
+        <a:cs typeface="+mn-cs"/>
+      </a:defRPr>
+    </a:lvl2pPr>
+    <a:lvl3pPr marL="914400" algn="l" defTabSz="914400" rtl="0" eaLnBrk="1" latinLnBrk="0" hangingPunct="1">
+      <a:defRPr sz="1200" kern="1200">
+        <a:solidFill>
+          <a:schemeClr val="tx1"/>
+        </a:solidFill>
+        <a:latin typeface="+mn-lt"/>
+        <a:ea typeface="+mn-ea"/>
+        <a:cs typeface="+mn-cs"/>
+      </a:defRPr>
+    </a:lvl3pPr>
+    <a:lvl4pPr marL="1371600" algn="l" defTabSz="914400" rtl="0" eaLnBrk="1" latinLnBrk="0" hangingPunct="1">
+      <a:defRPr sz="1200" kern="1200">
+        <a:solidFill>
+          <a:schemeClr val="tx1"/>
+        </a:solidFill>
+        <a:latin typeface="+mn-lt"/>
+        <a:ea typeface="+mn-ea"/>
+        <a:cs typeface="+mn-cs"/>
+      </a:defRPr>
+    </a:lvl4pPr>
+    <a:lvl5pPr marL="1828800" algn="l" defTabSz="914400" rtl="0" eaLnBrk="1" latinLnBrk="0" hangingPunct="1">
+      <a:defRPr sz="1200" kern="1200">
+        <a:solidFill>
+          <a:schemeClr val="tx1"/>
+        </a:solidFill>
+        <a:latin typeface="+mn-lt"/>
+        <a:ea typeface="+mn-ea"/>
+        <a:cs typeface="+mn-cs"/>
+      </a:defRPr>
+    </a:lvl5pPr>
+    <a:lvl6pPr marL="2286000" algn="l" defTabSz="914400" rtl="0" eaLnBrk="1" latinLnBrk="0" hangingPunct="1">
+      <a:defRPr sz="1200" kern="1200">
+        <a:solidFill>
+          <a:schemeClr val="tx1"/>
+        </a:solidFill>
+        <a:latin typeface="+mn-lt"/>
+        <a:ea typeface="+mn-ea"/>
+        <a:cs typeface="+mn-cs"/>
+      </a:defRPr>
+    </a:lvl6pPr>
+    <a:lvl7pPr marL="2743200" algn="l" defTabSz="914400" rtl="0" eaLnBrk="1" latinLnBrk="0" hangingPunct="1">
+      <a:defRPr sz="1200" kern="1200">
+        <a:solidFill>
+          <a:schemeClr val="tx1"/>
+        </a:solidFill>
+        <a:latin typeface="+mn-lt"/>
+        <a:ea typeface="+mn-ea"/>
+        <a:cs typeface="+mn-cs"/>
+      </a:defRPr>
+    </a:lvl7pPr>
+    <a:lvl8pPr marL="3200400" algn="l" defTabSz="914400" rtl="0" eaLnBrk="1" latinLnBrk="0" hangingPunct="1">
+      <a:defRPr sz="1200" kern="1200">
+        <a:solidFill>
+          <a:schemeClr val="tx1"/>
+        </a:solidFill>
+        <a:latin typeface="+mn-lt"/>
+        <a:ea typeface="+mn-ea"/>
+        <a:cs typeface="+mn-cs"/>
+      </a:defRPr>
+    </a:lvl8pPr>
+    <a:lvl9pPr marL="3657600" algn="l" defTabSz="914400" rtl="0" eaLnBrk="1" latinLnBrk="0" hangingPunct="1">
+      <a:defRPr sz="1200" kern="1200">
+        <a:solidFill>
+          <a:schemeClr val="tx1"/>
+        </a:solidFill>
+        <a:latin typeface="+mn-lt"/>
+        <a:ea typeface="+mn-ea"/>
+        <a:cs typeface="+mn-cs"/>
+      </a:defRPr>
+    </a:lvl9pPr>
+  </p:notesStyle>
+</p:notesMaster>
+</file>
+
+<file path=ppt/notesSlides/notesSlide1.xml><?xml version="1.0" encoding="utf-8"?>
+<p:notes xmlns:a="http://schemas.openxmlformats.org/drawingml/2006/main" xmlns:r="http://schemas.openxmlformats.org/officeDocument/2006/relationships" xmlns:p="http://schemas.openxmlformats.org/presentationml/2006/main">
+  <p:cSld>
+    <p:spTree>
+      <p:nvGrpSpPr>
+        <p:cNvPr id="1" name=""/>
+        <p:cNvGrpSpPr/>
+        <p:nvPr/>
+      </p:nvGrpSpPr>
+      <p:grpSpPr>
+        <a:xfrm>
+          <a:off x="0" y="0"/>
+          <a:ext cx="0" cy="0"/>
+          <a:chOff x="0" y="0"/>
+          <a:chExt cx="0" cy="0"/>
+        </a:xfrm>
+      </p:grpSpPr>
+      <p:sp>
+        <p:nvSpPr>
+          <p:cNvPr id="2" name="Slide Image Placeholder 1"/>
+          <p:cNvSpPr>
+            <a:spLocks noGrp="1" noRot="1" noChangeAspect="1"/>
+          </p:cNvSpPr>
+          <p:nvPr>
+            <p:ph type="sldImg"/>
+          </p:nvPr>
+        </p:nvSpPr>
+        <p:spPr/>
+      </p:sp>
+      <p:sp>
+        <p:nvSpPr>
+          <p:cNvPr id="3" name="Notes Placeholder 2"/>
+          <p:cNvSpPr>
+            <a:spLocks noGrp="1"/>
+          </p:cNvSpPr>
+          <p:nvPr>
+            <p:ph type="body" idx="1"/>
+          </p:nvPr>
+        </p:nvSpPr>
+        <p:spPr/>
+        <p:txBody>
+          <a:bodyPr/>
+          <a:lstStyle/>
+          <a:p>
+            <a:endParaRPr lang="en-US" dirty="0"/>
+          </a:p>
+        </p:txBody>
+      </p:sp>
+      <p:sp>
+        <p:nvSpPr>
+          <p:cNvPr id="4" name="Slide Number Placeholder 3"/>
+          <p:cNvSpPr>
+            <a:spLocks noGrp="1"/>
+          </p:cNvSpPr>
+          <p:nvPr>
+            <p:ph type="sldNum" sz="quarter" idx="5"/>
+          </p:nvPr>
+        </p:nvSpPr>
+        <p:spPr/>
+        <p:txBody>
+          <a:bodyPr/>
+          <a:lstStyle/>
+          <a:p>
+            <a:fld id="{F7A92211-49D0-2E49-B267-19248CA69CEF}" type="slidenum">
+              <a:rPr lang="en-US" smtClean="0"/>
+              <a:t>1</a:t>
+            </a:fld>
+            <a:endParaRPr lang="en-US"/>
+          </a:p>
+        </p:txBody>
+      </p:sp>
+    </p:spTree>
+    <p:extLst>
+      <p:ext uri="{BB962C8B-B14F-4D97-AF65-F5344CB8AC3E}">
+        <p14:creationId xmlns:p14="http://schemas.microsoft.com/office/powerpoint/2010/main" val="44957813"/>
+      </p:ext>
+    </p:extLst>
+  </p:cSld>
+  <p:clrMapOvr>
+    <a:masterClrMapping/>
+  </p:clrMapOvr>
+</p:notes>
+</file>
+
+<file path=ppt/notesSlides/notesSlide2.xml><?xml version="1.0" encoding="utf-8"?>
+<p:notes xmlns:a="http://schemas.openxmlformats.org/drawingml/2006/main" xmlns:r="http://schemas.openxmlformats.org/officeDocument/2006/relationships" xmlns:p="http://schemas.openxmlformats.org/presentationml/2006/main">
+  <p:cSld>
+    <p:spTree>
+      <p:nvGrpSpPr>
+        <p:cNvPr id="1" name=""/>
+        <p:cNvGrpSpPr/>
+        <p:nvPr/>
+      </p:nvGrpSpPr>
+      <p:grpSpPr>
+        <a:xfrm>
+          <a:off x="0" y="0"/>
+          <a:ext cx="0" cy="0"/>
+          <a:chOff x="0" y="0"/>
+          <a:chExt cx="0" cy="0"/>
+        </a:xfrm>
+      </p:grpSpPr>
+      <p:sp>
+        <p:nvSpPr>
+          <p:cNvPr id="2" name="Slide Image Placeholder 1"/>
+          <p:cNvSpPr>
+            <a:spLocks noGrp="1" noRot="1" noChangeAspect="1"/>
+          </p:cNvSpPr>
+          <p:nvPr>
+            <p:ph type="sldImg"/>
+          </p:nvPr>
+        </p:nvSpPr>
+        <p:spPr/>
+      </p:sp>
+      <p:sp>
+        <p:nvSpPr>
+          <p:cNvPr id="3" name="Notes Placeholder 2"/>
+          <p:cNvSpPr>
+            <a:spLocks noGrp="1"/>
+          </p:cNvSpPr>
+          <p:nvPr>
+            <p:ph type="body" idx="1"/>
+          </p:nvPr>
+        </p:nvSpPr>
+        <p:spPr/>
+        <p:txBody>
+          <a:bodyPr/>
+          <a:lstStyle/>
+          <a:p>
+            <a:endParaRPr lang="en-US" dirty="0"/>
+          </a:p>
+        </p:txBody>
+      </p:sp>
+      <p:sp>
+        <p:nvSpPr>
+          <p:cNvPr id="4" name="Slide Number Placeholder 3"/>
+          <p:cNvSpPr>
+            <a:spLocks noGrp="1"/>
+          </p:cNvSpPr>
+          <p:nvPr>
+            <p:ph type="sldNum" sz="quarter" idx="5"/>
+          </p:nvPr>
+        </p:nvSpPr>
+        <p:spPr/>
+        <p:txBody>
+          <a:bodyPr/>
+          <a:lstStyle/>
+          <a:p>
+            <a:fld id="{F7A92211-49D0-2E49-B267-19248CA69CEF}" type="slidenum">
+              <a:rPr lang="en-US" smtClean="0"/>
+              <a:t>2</a:t>
+            </a:fld>
+            <a:endParaRPr lang="en-US"/>
+          </a:p>
+        </p:txBody>
+      </p:sp>
+    </p:spTree>
+    <p:extLst>
+      <p:ext uri="{BB962C8B-B14F-4D97-AF65-F5344CB8AC3E}">
+        <p14:creationId xmlns:p14="http://schemas.microsoft.com/office/powerpoint/2010/main" val="1517173701"/>
+      </p:ext>
+    </p:extLst>
+  </p:cSld>
+  <p:clrMapOvr>
+    <a:masterClrMapping/>
+  </p:clrMapOvr>
+</p:notes>
+</file>
+
+<file path=ppt/notesSlides/notesSlide3.xml><?xml version="1.0" encoding="utf-8"?>
+<p:notes xmlns:a="http://schemas.openxmlformats.org/drawingml/2006/main" xmlns:r="http://schemas.openxmlformats.org/officeDocument/2006/relationships" xmlns:p="http://schemas.openxmlformats.org/presentationml/2006/main">
+  <p:cSld>
+    <p:spTree>
+      <p:nvGrpSpPr>
+        <p:cNvPr id="1" name=""/>
+        <p:cNvGrpSpPr/>
+        <p:nvPr/>
+      </p:nvGrpSpPr>
+      <p:grpSpPr>
+        <a:xfrm>
+          <a:off x="0" y="0"/>
+          <a:ext cx="0" cy="0"/>
+          <a:chOff x="0" y="0"/>
+          <a:chExt cx="0" cy="0"/>
+        </a:xfrm>
+      </p:grpSpPr>
+      <p:sp>
+        <p:nvSpPr>
+          <p:cNvPr id="2" name="Slide Image Placeholder 1"/>
+          <p:cNvSpPr>
+            <a:spLocks noGrp="1" noRot="1" noChangeAspect="1"/>
+          </p:cNvSpPr>
+          <p:nvPr>
+            <p:ph type="sldImg"/>
+          </p:nvPr>
+        </p:nvSpPr>
+        <p:spPr/>
+      </p:sp>
+      <p:sp>
+        <p:nvSpPr>
+          <p:cNvPr id="3" name="Notes Placeholder 2"/>
+          <p:cNvSpPr>
+            <a:spLocks noGrp="1"/>
+          </p:cNvSpPr>
+          <p:nvPr>
+            <p:ph type="body" idx="1"/>
+          </p:nvPr>
+        </p:nvSpPr>
+        <p:spPr/>
+        <p:txBody>
+          <a:bodyPr/>
+          <a:lstStyle/>
+          <a:p>
+            <a:endParaRPr lang="en-US" dirty="0"/>
+          </a:p>
+        </p:txBody>
+      </p:sp>
+      <p:sp>
+        <p:nvSpPr>
+          <p:cNvPr id="4" name="Slide Number Placeholder 3"/>
+          <p:cNvSpPr>
+            <a:spLocks noGrp="1"/>
+          </p:cNvSpPr>
+          <p:nvPr>
+            <p:ph type="sldNum" sz="quarter" idx="5"/>
+          </p:nvPr>
+        </p:nvSpPr>
+        <p:spPr/>
+        <p:txBody>
+          <a:bodyPr/>
+          <a:lstStyle/>
+          <a:p>
+            <a:fld id="{F7A92211-49D0-2E49-B267-19248CA69CEF}" type="slidenum">
+              <a:rPr lang="en-US" smtClean="0"/>
+              <a:t>3</a:t>
+            </a:fld>
+            <a:endParaRPr lang="en-US"/>
+          </a:p>
+        </p:txBody>
+      </p:sp>
+    </p:spTree>
+    <p:extLst>
+      <p:ext uri="{BB962C8B-B14F-4D97-AF65-F5344CB8AC3E}">
+        <p14:creationId xmlns:p14="http://schemas.microsoft.com/office/powerpoint/2010/main" val="370719121"/>
+      </p:ext>
+    </p:extLst>
+  </p:cSld>
+  <p:clrMapOvr>
+    <a:masterClrMapping/>
+  </p:clrMapOvr>
+</p:notes>
+</file>
+
+<file path=ppt/notesSlides/notesSlide4.xml><?xml version="1.0" encoding="utf-8"?>
+<p:notes xmlns:a="http://schemas.openxmlformats.org/drawingml/2006/main" xmlns:r="http://schemas.openxmlformats.org/officeDocument/2006/relationships" xmlns:p="http://schemas.openxmlformats.org/presentationml/2006/main">
+  <p:cSld>
+    <p:spTree>
+      <p:nvGrpSpPr>
+        <p:cNvPr id="1" name=""/>
+        <p:cNvGrpSpPr/>
+        <p:nvPr/>
+      </p:nvGrpSpPr>
+      <p:grpSpPr>
+        <a:xfrm>
+          <a:off x="0" y="0"/>
+          <a:ext cx="0" cy="0"/>
+          <a:chOff x="0" y="0"/>
+          <a:chExt cx="0" cy="0"/>
+        </a:xfrm>
+      </p:grpSpPr>
+      <p:sp>
+        <p:nvSpPr>
+          <p:cNvPr id="2" name="Slide Image Placeholder 1"/>
+          <p:cNvSpPr>
+            <a:spLocks noGrp="1" noRot="1" noChangeAspect="1"/>
+          </p:cNvSpPr>
+          <p:nvPr>
+            <p:ph type="sldImg"/>
+          </p:nvPr>
+        </p:nvSpPr>
+        <p:spPr/>
+      </p:sp>
+      <p:sp>
+        <p:nvSpPr>
+          <p:cNvPr id="3" name="Notes Placeholder 2"/>
+          <p:cNvSpPr>
+            <a:spLocks noGrp="1"/>
+          </p:cNvSpPr>
+          <p:nvPr>
+            <p:ph type="body" idx="1"/>
+          </p:nvPr>
+        </p:nvSpPr>
+        <p:spPr/>
+        <p:txBody>
+          <a:bodyPr/>
+          <a:lstStyle/>
+          <a:p>
+            <a:endParaRPr lang="en-US" dirty="0"/>
+          </a:p>
+        </p:txBody>
+      </p:sp>
+      <p:sp>
+        <p:nvSpPr>
+          <p:cNvPr id="4" name="Slide Number Placeholder 3"/>
+          <p:cNvSpPr>
+            <a:spLocks noGrp="1"/>
+          </p:cNvSpPr>
+          <p:nvPr>
+            <p:ph type="sldNum" sz="quarter" idx="5"/>
+          </p:nvPr>
+        </p:nvSpPr>
+        <p:spPr/>
+        <p:txBody>
+          <a:bodyPr/>
+          <a:lstStyle/>
+          <a:p>
+            <a:fld id="{F7A92211-49D0-2E49-B267-19248CA69CEF}" type="slidenum">
+              <a:rPr lang="en-US" smtClean="0"/>
+              <a:t>7</a:t>
+            </a:fld>
+            <a:endParaRPr lang="en-US"/>
+          </a:p>
+        </p:txBody>
+      </p:sp>
+    </p:spTree>
+    <p:extLst>
+      <p:ext uri="{BB962C8B-B14F-4D97-AF65-F5344CB8AC3E}">
+        <p14:creationId xmlns:p14="http://schemas.microsoft.com/office/powerpoint/2010/main" val="3459112456"/>
+      </p:ext>
+    </p:extLst>
+  </p:cSld>
+  <p:clrMapOvr>
+    <a:masterClrMapping/>
+  </p:clrMapOvr>
+</p:notes>
+</file>
+
+<file path=ppt/notesSlides/notesSlide5.xml><?xml version="1.0" encoding="utf-8"?>
+<p:notes xmlns:a="http://schemas.openxmlformats.org/drawingml/2006/main" xmlns:r="http://schemas.openxmlformats.org/officeDocument/2006/relationships" xmlns:p="http://schemas.openxmlformats.org/presentationml/2006/main">
+  <p:cSld>
+    <p:spTree>
+      <p:nvGrpSpPr>
+        <p:cNvPr id="1" name=""/>
+        <p:cNvGrpSpPr/>
+        <p:nvPr/>
+      </p:nvGrpSpPr>
+      <p:grpSpPr>
+        <a:xfrm>
+          <a:off x="0" y="0"/>
+          <a:ext cx="0" cy="0"/>
+          <a:chOff x="0" y="0"/>
+          <a:chExt cx="0" cy="0"/>
+        </a:xfrm>
+      </p:grpSpPr>
+      <p:sp>
+        <p:nvSpPr>
+          <p:cNvPr id="2" name="Slide Image Placeholder 1"/>
+          <p:cNvSpPr>
+            <a:spLocks noGrp="1" noRot="1" noChangeAspect="1"/>
+          </p:cNvSpPr>
+          <p:nvPr>
+            <p:ph type="sldImg"/>
+          </p:nvPr>
+        </p:nvSpPr>
+        <p:spPr/>
+      </p:sp>
+      <p:sp>
+        <p:nvSpPr>
+          <p:cNvPr id="3" name="Notes Placeholder 2"/>
+          <p:cNvSpPr>
+            <a:spLocks noGrp="1"/>
+          </p:cNvSpPr>
+          <p:nvPr>
+            <p:ph type="body" idx="1"/>
+          </p:nvPr>
+        </p:nvSpPr>
+        <p:spPr/>
+        <p:txBody>
+          <a:bodyPr/>
+          <a:lstStyle/>
+          <a:p>
+            <a:endParaRPr lang="en-US" dirty="0"/>
+          </a:p>
+        </p:txBody>
+      </p:sp>
+      <p:sp>
+        <p:nvSpPr>
+          <p:cNvPr id="4" name="Slide Number Placeholder 3"/>
+          <p:cNvSpPr>
+            <a:spLocks noGrp="1"/>
+          </p:cNvSpPr>
+          <p:nvPr>
+            <p:ph type="sldNum" sz="quarter" idx="5"/>
+          </p:nvPr>
+        </p:nvSpPr>
+        <p:spPr/>
+        <p:txBody>
+          <a:bodyPr/>
+          <a:lstStyle/>
+          <a:p>
+            <a:fld id="{F7A92211-49D0-2E49-B267-19248CA69CEF}" type="slidenum">
+              <a:rPr lang="en-US" smtClean="0"/>
+              <a:t>8</a:t>
+            </a:fld>
+            <a:endParaRPr lang="en-US"/>
+          </a:p>
+        </p:txBody>
+      </p:sp>
+    </p:spTree>
+    <p:extLst>
+      <p:ext uri="{BB962C8B-B14F-4D97-AF65-F5344CB8AC3E}">
+        <p14:creationId xmlns:p14="http://schemas.microsoft.com/office/powerpoint/2010/main" val="2219464952"/>
+      </p:ext>
+    </p:extLst>
+  </p:cSld>
+  <p:clrMapOvr>
+    <a:masterClrMapping/>
+  </p:clrMapOvr>
+</p:notes>
+</file>
+
 <file path=ppt/slideLayouts/slideLayout1.xml><?xml version="1.0" encoding="utf-8"?>
 <p:sldLayout xmlns:a="http://schemas.openxmlformats.org/drawingml/2006/main" xmlns:r="http://schemas.openxmlformats.org/officeDocument/2006/relationships" xmlns:p="http://schemas.openxmlformats.org/presentationml/2006/main" showMasterSp="0" type="title" preserve="1">
   <p:cSld name="Title Slide">
@@ -1485,7 +2257,7 @@
             <a:fld id="{5923F103-BC34-4FE4-A40E-EDDEECFDA5D0}" type="datetimeFigureOut">
               <a:rPr lang="en-US" dirty="0"/>
               <a:pPr/>
-              <a:t>3/21/2022</a:t>
+              <a:t>3/22/22</a:t>
             </a:fld>
             <a:endParaRPr lang="en-US"/>
           </a:p>
@@ -2567,7 +3339,7 @@
           <a:p>
             <a:fld id="{923A1CC3-2375-41D4-9E03-427CAF2A4C1A}" type="datetimeFigureOut">
               <a:rPr lang="en-US" dirty="0"/>
-              <a:t>3/21/2022</a:t>
+              <a:t>3/22/22</a:t>
             </a:fld>
             <a:endParaRPr lang="en-US"/>
           </a:p>
@@ -3542,7 +4314,7 @@
           <a:p>
             <a:fld id="{AFF16868-8199-4C2C-A5B1-63AEE139F88E}" type="datetimeFigureOut">
               <a:rPr lang="en-US" dirty="0"/>
-              <a:t>3/21/2022</a:t>
+              <a:t>3/22/22</a:t>
             </a:fld>
             <a:endParaRPr lang="en-US"/>
           </a:p>
@@ -4671,7 +5443,7 @@
           <a:p>
             <a:fld id="{AAD9FF7F-6988-44CC-821B-644E70CD2F73}" type="datetimeFigureOut">
               <a:rPr lang="en-US" dirty="0"/>
-              <a:t>3/21/2022</a:t>
+              <a:t>3/22/22</a:t>
             </a:fld>
             <a:endParaRPr lang="en-US"/>
           </a:p>
@@ -5699,7 +6471,7 @@
           <a:p>
             <a:fld id="{5C12C299-16B2-4475-990D-751901EACC14}" type="datetimeFigureOut">
               <a:rPr lang="en-US" dirty="0"/>
-              <a:t>3/21/2022</a:t>
+              <a:t>3/22/22</a:t>
             </a:fld>
             <a:endParaRPr lang="en-US"/>
           </a:p>
@@ -6354,7 +7126,7 @@
           <a:p>
             <a:fld id="{9FE86839-B9D8-4651-8783-F325ECE74E65}" type="datetimeFigureOut">
               <a:rPr lang="en-US" dirty="0"/>
-              <a:t>3/21/2022</a:t>
+              <a:t>3/22/22</a:t>
             </a:fld>
             <a:endParaRPr lang="en-US"/>
           </a:p>
@@ -7207,7 +7979,7 @@
           <a:p>
             <a:fld id="{FD484F64-32F6-45C5-931F-ADC1662401D0}" type="datetimeFigureOut">
               <a:rPr lang="en-US" dirty="0"/>
-              <a:t>3/21/2022</a:t>
+              <a:t>3/22/22</a:t>
             </a:fld>
             <a:endParaRPr lang="en-US"/>
           </a:p>
@@ -7391,7 +8163,7 @@
           <a:p>
             <a:fld id="{53086D93-FCAC-47E0-A2EE-787E62CA814C}" type="datetimeFigureOut">
               <a:rPr lang="en-US" dirty="0"/>
-              <a:t>3/21/2022</a:t>
+              <a:t>3/22/22</a:t>
             </a:fld>
             <a:endParaRPr lang="en-US"/>
           </a:p>
@@ -8357,7 +9129,7 @@
           <a:p>
             <a:fld id="{CDA879A6-0FD0-4734-A311-86BFCA472E6E}" type="datetimeFigureOut">
               <a:rPr lang="en-US" dirty="0"/>
-              <a:t>3/21/2022</a:t>
+              <a:t>3/22/22</a:t>
             </a:fld>
             <a:endParaRPr lang="en-US"/>
           </a:p>
@@ -8562,7 +9334,7 @@
           <a:p>
             <a:fld id="{19C9CA7B-DFD4-44B5-8C60-D14B8CD1FB59}" type="datetimeFigureOut">
               <a:rPr lang="en-US" dirty="0"/>
-              <a:t>3/21/2022</a:t>
+              <a:t>3/22/22</a:t>
             </a:fld>
             <a:endParaRPr lang="en-US"/>
           </a:p>
@@ -9591,7 +10363,7 @@
           <a:p>
             <a:fld id="{F34E6425-0181-43F2-84FC-787E803FD2F8}" type="datetimeFigureOut">
               <a:rPr lang="en-US" dirty="0"/>
-              <a:t>3/21/2022</a:t>
+              <a:t>3/22/22</a:t>
             </a:fld>
             <a:endParaRPr lang="en-US"/>
           </a:p>
@@ -9856,7 +10628,7 @@
           <a:p>
             <a:fld id="{3BDB8791-F1B0-41E7-B7FD-A781E65C4266}" type="datetimeFigureOut">
               <a:rPr lang="en-US" dirty="0"/>
-              <a:t>3/21/2022</a:t>
+              <a:t>3/22/22</a:t>
             </a:fld>
             <a:endParaRPr lang="en-US"/>
           </a:p>
@@ -10259,7 +11031,7 @@
           <a:p>
             <a:fld id="{5FDD63B2-E120-4ED8-B27B-C685F510A5FE}" type="datetimeFigureOut">
               <a:rPr lang="en-US" dirty="0"/>
-              <a:t>3/21/2022</a:t>
+              <a:t>3/22/22</a:t>
             </a:fld>
             <a:endParaRPr lang="en-US"/>
           </a:p>
@@ -10381,7 +11153,7 @@
           <a:p>
             <a:fld id="{7AA18ACC-A947-437B-A130-35BD54FDF1E9}" type="datetimeFigureOut">
               <a:rPr lang="en-US" dirty="0"/>
-              <a:t>3/21/2022</a:t>
+              <a:t>3/22/22</a:t>
             </a:fld>
             <a:endParaRPr lang="en-US"/>
           </a:p>
@@ -10472,7 +11244,7 @@
           <a:p>
             <a:fld id="{7C8D7E02-BCB8-4D50-A234-369438C08659}" type="datetimeFigureOut">
               <a:rPr lang="en-US" dirty="0"/>
-              <a:t>3/21/2022</a:t>
+              <a:t>3/22/22</a:t>
             </a:fld>
             <a:endParaRPr lang="en-US"/>
           </a:p>
@@ -11547,7 +12319,7 @@
           <a:p>
             <a:fld id="{76E86A4C-8E40-4F87-A4F0-01A0687C5742}" type="datetimeFigureOut">
               <a:rPr lang="en-US" dirty="0"/>
-              <a:t>3/21/2022</a:t>
+              <a:t>3/22/22</a:t>
             </a:fld>
             <a:endParaRPr lang="en-US"/>
           </a:p>
@@ -12649,7 +13421,7 @@
           <a:p>
             <a:fld id="{35E72C73-2D91-4E12-BA25-F0AA0C03599B}" type="datetimeFigureOut">
               <a:rPr lang="en-US" dirty="0"/>
-              <a:t>3/21/2022</a:t>
+              <a:t>3/22/22</a:t>
             </a:fld>
             <a:endParaRPr lang="en-US"/>
           </a:p>
@@ -13640,7 +14412,7 @@
           <a:p>
             <a:fld id="{2BE451C3-0FF4-47C4-B829-773ADF60F88C}" type="datetimeFigureOut">
               <a:rPr lang="en-US" dirty="0"/>
-              <a:t>3/21/2022</a:t>
+              <a:t>3/22/22</a:t>
             </a:fld>
             <a:endParaRPr lang="en-US"/>
           </a:p>
@@ -14541,7 +15313,7 @@
           <a:lstStyle/>
           <a:p>
             <a:r>
-              <a:rPr lang="en-US">
+              <a:rPr lang="en-US" dirty="0">
                 <a:ea typeface="+mn-lt"/>
                 <a:cs typeface="+mn-lt"/>
               </a:rPr>
@@ -14549,42 +15321,42 @@
             </a:r>
           </a:p>
           <a:p>
-            <a:endParaRPr lang="en-US">
+            <a:endParaRPr lang="en-US" dirty="0">
               <a:ea typeface="+mn-lt"/>
               <a:cs typeface="+mn-lt"/>
             </a:endParaRPr>
           </a:p>
           <a:p>
             <a:r>
-              <a:rPr lang="en-US">
+              <a:rPr lang="en-US" dirty="0">
                 <a:ea typeface="+mn-lt"/>
                 <a:cs typeface="+mn-lt"/>
               </a:rPr>
               <a:t>We shall employ various data analysis techniques to explore the dataset for any ambiguities. Moreover, we will be practicing logistic regression as well as classification trees to predict whether a client is predicted to default on his/her credit card payment or not.</a:t>
             </a:r>
-            <a:endParaRPr lang="en-US"/>
-          </a:p>
-          <a:p>
-            <a:endParaRPr lang="en-US">
+            <a:endParaRPr lang="en-US" dirty="0"/>
+          </a:p>
+          <a:p>
+            <a:endParaRPr lang="en-US" dirty="0">
               <a:ea typeface="+mn-lt"/>
               <a:cs typeface="+mn-lt"/>
             </a:endParaRPr>
           </a:p>
           <a:p>
             <a:r>
-              <a:rPr lang="en-US">
+              <a:rPr lang="en-US" dirty="0">
                 <a:ea typeface="+mn-lt"/>
                 <a:cs typeface="+mn-lt"/>
               </a:rPr>
-              <a:t>Lastly, but certainly not least we will be analyzing the outcomes from both these techniques and then compare and contrast the output generated by both models.  </a:t>
+              <a:t>Lastly, but certainly not least we will be analyzing the outcomes from both these techniques and then compare and  contrast the output generated by both models.  </a:t>
             </a:r>
-            <a:endParaRPr lang="en-US"/>
+            <a:endParaRPr lang="en-US" dirty="0"/>
           </a:p>
           <a:p>
             <a:pPr marL="0" indent="0">
               <a:buNone/>
             </a:pPr>
-            <a:endParaRPr lang="en-US"/>
+            <a:endParaRPr lang="en-US" dirty="0"/>
           </a:p>
         </p:txBody>
       </p:sp>
@@ -16165,7 +16937,7 @@
       </p:grpSpPr>
       <p:sp>
         <p:nvSpPr>
-          <p:cNvPr id="53" name="Rectangle 52">
+          <p:cNvPr id="79" name="Rectangle 78">
             <a:extLst>
               <a:ext uri="{FF2B5EF4-FFF2-40B4-BE49-F238E27FC236}">
                 <a16:creationId xmlns:a16="http://schemas.microsoft.com/office/drawing/2014/main" id="{74335F11-74A2-4711-AC50-CBE41094929C}"/>
@@ -16217,7 +16989,7 @@
       </p:sp>
       <p:sp>
         <p:nvSpPr>
-          <p:cNvPr id="55" name="Freeform 5">
+          <p:cNvPr id="81" name="Freeform 5">
             <a:extLst>
               <a:ext uri="{FF2B5EF4-FFF2-40B4-BE49-F238E27FC236}">
                 <a16:creationId xmlns:a16="http://schemas.microsoft.com/office/drawing/2014/main" id="{1CB9A032-7D2A-4CEC-8222-E350EEBFECD0}"/>
@@ -16381,7 +17153,7 @@
       </p:sp>
       <p:sp>
         <p:nvSpPr>
-          <p:cNvPr id="57" name="Freeform: Shape 56">
+          <p:cNvPr id="83" name="Freeform: Shape 82">
             <a:extLst>
               <a:ext uri="{FF2B5EF4-FFF2-40B4-BE49-F238E27FC236}">
                 <a16:creationId xmlns:a16="http://schemas.microsoft.com/office/drawing/2014/main" id="{800D0616-B405-4CE3-8A73-14F11603EC8F}"/>
@@ -16847,7 +17619,7 @@
       </p:sp>
       <p:sp>
         <p:nvSpPr>
-          <p:cNvPr id="59" name="Freeform 5">
+          <p:cNvPr id="85" name="Freeform 5">
             <a:extLst>
               <a:ext uri="{FF2B5EF4-FFF2-40B4-BE49-F238E27FC236}">
                 <a16:creationId xmlns:a16="http://schemas.microsoft.com/office/drawing/2014/main" id="{6E2FE09B-7419-43C3-85D2-C804F1BE30D8}"/>
@@ -16968,7 +17740,7 @@
       </p:sp>
       <p:sp>
         <p:nvSpPr>
-          <p:cNvPr id="61" name="Rectangle 60">
+          <p:cNvPr id="87" name="Rectangle 86">
             <a:extLst>
               <a:ext uri="{FF2B5EF4-FFF2-40B4-BE49-F238E27FC236}">
                 <a16:creationId xmlns:a16="http://schemas.microsoft.com/office/drawing/2014/main" id="{BCDD2921-DE0D-4418-8566-F7F18DCB77A4}"/>
@@ -17048,7 +17820,7 @@
           <a:lstStyle/>
           <a:p>
             <a:r>
-              <a:rPr lang="en-US">
+              <a:rPr lang="en-US" dirty="0">
                 <a:solidFill>
                   <a:schemeClr val="tx1"/>
                 </a:solidFill>
@@ -17058,17 +17830,17 @@
           </a:p>
           <a:p>
             <a:r>
-              <a:rPr lang="en-US">
+              <a:rPr lang="en-US" dirty="0">
                 <a:solidFill>
                   <a:schemeClr val="tx1"/>
                 </a:solidFill>
               </a:rPr>
-              <a:t>On creating a full tree, we got a tree of size 39 which was pruned down to a tree of size 8.</a:t>
+              <a:t>On creating a full tree, we got a tree of size 39 which was pruned down to a tree of size 13.</a:t>
             </a:r>
           </a:p>
           <a:p>
             <a:r>
-              <a:rPr lang="en-US">
+              <a:rPr lang="en-US" dirty="0">
                 <a:solidFill>
                   <a:schemeClr val="tx1"/>
                 </a:solidFill>
@@ -17080,10 +17852,10 @@
       </p:sp>
       <p:pic>
         <p:nvPicPr>
-          <p:cNvPr id="6" name="Picture 6" descr="Graphical user interface&#10;&#10;Description automatically generated">
+          <p:cNvPr id="5" name="Picture 4" descr="Chart&#10;&#10;Description automatically generated">
             <a:extLst>
               <a:ext uri="{FF2B5EF4-FFF2-40B4-BE49-F238E27FC236}">
-                <a16:creationId xmlns:a16="http://schemas.microsoft.com/office/drawing/2014/main" id="{C67311E1-8505-4775-9EE7-4A9084578B47}"/>
+                <a16:creationId xmlns:a16="http://schemas.microsoft.com/office/drawing/2014/main" id="{C0DFDC6F-3F43-9B4D-8513-0131A52FCADA}"/>
               </a:ext>
             </a:extLst>
           </p:cNvPr>
@@ -17093,15 +17865,15 @@
           <p:nvPr/>
         </p:nvPicPr>
         <p:blipFill>
-          <a:blip r:embed="rId2"/>
+          <a:blip r:embed="rId3"/>
           <a:stretch>
             <a:fillRect/>
           </a:stretch>
         </p:blipFill>
         <p:spPr>
           <a:xfrm>
-            <a:off x="6703882" y="666782"/>
-            <a:ext cx="4839661" cy="3242572"/>
+            <a:off x="6703882" y="884567"/>
+            <a:ext cx="4839661" cy="2807003"/>
           </a:xfrm>
           <a:prstGeom prst="rect">
             <a:avLst/>
@@ -17123,7 +17895,7 @@
           <p:nvPr/>
         </p:nvPicPr>
         <p:blipFill>
-          <a:blip r:embed="rId3"/>
+          <a:blip r:embed="rId4"/>
           <a:stretch>
             <a:fillRect/>
           </a:stretch>
@@ -17140,10 +17912,10 @@
       </p:pic>
       <p:pic>
         <p:nvPicPr>
-          <p:cNvPr id="7" name="Picture 7" descr="Diagram&#10;&#10;Description automatically generated">
+          <p:cNvPr id="10" name="Picture 9" descr="Diagram&#10;&#10;Description automatically generated">
             <a:extLst>
               <a:ext uri="{FF2B5EF4-FFF2-40B4-BE49-F238E27FC236}">
-                <a16:creationId xmlns:a16="http://schemas.microsoft.com/office/drawing/2014/main" id="{959400AB-F720-4B43-B38A-60A9A8713689}"/>
+                <a16:creationId xmlns:a16="http://schemas.microsoft.com/office/drawing/2014/main" id="{9D0E1623-E2E5-A242-8C16-92E4227EA66B}"/>
               </a:ext>
             </a:extLst>
           </p:cNvPr>
@@ -17153,15 +17925,15 @@
           <p:nvPr/>
         </p:nvPicPr>
         <p:blipFill>
-          <a:blip r:embed="rId4"/>
+          <a:blip r:embed="rId5"/>
           <a:stretch>
             <a:fillRect/>
           </a:stretch>
         </p:blipFill>
         <p:spPr>
           <a:xfrm>
-            <a:off x="9206372" y="4366797"/>
-            <a:ext cx="2337171" cy="1589276"/>
+            <a:off x="9206372" y="4416462"/>
+            <a:ext cx="2337171" cy="1489946"/>
           </a:xfrm>
           <a:prstGeom prst="rect">
             <a:avLst/>
@@ -18074,7 +18846,7 @@
           <p:nvPr/>
         </p:nvPicPr>
         <p:blipFill>
-          <a:blip r:embed="rId2"/>
+          <a:blip r:embed="rId3"/>
           <a:stretch>
             <a:fillRect/>
           </a:stretch>
@@ -18104,7 +18876,7 @@
           <p:nvPr>
             <p:extLst>
               <p:ext uri="{D42A27DB-BD31-4B8C-83A1-F6EECF244321}">
-                <p14:modId xmlns:p14="http://schemas.microsoft.com/office/powerpoint/2010/main" val="1070546992"/>
+                <p14:modId xmlns:p14="http://schemas.microsoft.com/office/powerpoint/2010/main" val="4163104118"/>
               </p:ext>
             </p:extLst>
           </p:nvPr>
@@ -18273,12 +19045,12 @@
                         <a:buNone/>
                       </a:pPr>
                       <a:r>
-                        <a:rPr lang="en-US" sz="1200">
+                        <a:rPr lang="en-US" sz="1200" dirty="0">
                           <a:effectLst/>
                         </a:rPr>
-                        <a:t>82.2</a:t>
+                        <a:t>82.3</a:t>
                       </a:r>
-                      <a:endParaRPr lang="en-US">
+                      <a:endParaRPr lang="en-US" dirty="0">
                         <a:effectLst/>
                       </a:endParaRPr>
                     </a:p>
@@ -18625,12 +19397,12 @@
                         <a:buNone/>
                       </a:pPr>
                       <a:r>
-                        <a:rPr lang="en-US" sz="1200">
+                        <a:rPr lang="en-US" sz="1200" dirty="0">
                           <a:effectLst/>
                         </a:rPr>
-                        <a:t>0.34</a:t>
+                        <a:t>0.36</a:t>
                       </a:r>
-                      <a:endParaRPr lang="en-US">
+                      <a:endParaRPr lang="en-US" dirty="0">
                         <a:effectLst/>
                       </a:endParaRPr>
                     </a:p>
@@ -18740,12 +19512,12 @@
                         <a:buNone/>
                       </a:pPr>
                       <a:r>
-                        <a:rPr lang="en-US" sz="1200">
+                        <a:rPr lang="en-US" sz="1200" dirty="0">
                           <a:effectLst/>
                         </a:rPr>
                         <a:t>0.7656</a:t>
                       </a:r>
-                      <a:endParaRPr lang="en-US">
+                      <a:endParaRPr lang="en-US" dirty="0">
                         <a:effectLst/>
                       </a:endParaRPr>
                     </a:p>
@@ -18777,7 +19549,7 @@
           <p:nvPr/>
         </p:nvPicPr>
         <p:blipFill>
-          <a:blip r:embed="rId3"/>
+          <a:blip r:embed="rId4"/>
           <a:stretch>
             <a:fillRect/>
           </a:stretch>
@@ -18912,36 +19684,36 @@
           <a:lstStyle/>
           <a:p>
             <a:r>
-              <a:rPr lang="en-US">
+              <a:rPr lang="en-US" dirty="0">
                 <a:ea typeface="+mn-lt"/>
                 <a:cs typeface="+mn-lt"/>
               </a:rPr>
               <a:t>Both of the models have similar accuracy. But the area under the ROC curve for both models differs by a significant amount. For the logistic regression model, the area under the curve is 0.76 whereas for the classification tree model, the area is 0.65. This indicates that overall the logistic regression model is a better model for classification than the tree model.</a:t>
             </a:r>
-            <a:endParaRPr lang="en-US"/>
+            <a:endParaRPr lang="en-US" dirty="0"/>
           </a:p>
           <a:p>
             <a:r>
-              <a:rPr lang="en-US">
+              <a:rPr lang="en-US" dirty="0">
                 <a:ea typeface="+mn-lt"/>
                 <a:cs typeface="+mn-lt"/>
               </a:rPr>
               <a:t>Logistic regression is also better at predicting people who will not default on their payments with a sensitivity of 0.95 as compared to 0.84.</a:t>
             </a:r>
-            <a:endParaRPr lang="en-US"/>
+            <a:endParaRPr lang="en-US" dirty="0"/>
           </a:p>
           <a:p>
             <a:r>
-              <a:rPr lang="en-US">
+              <a:rPr lang="en-US" dirty="0">
                 <a:ea typeface="+mn-lt"/>
                 <a:cs typeface="+mn-lt"/>
               </a:rPr>
               <a:t>Whereas, the tree based model outperforms the logistic regression model while predicting people who would default on their payments.</a:t>
             </a:r>
             <a:br>
-              <a:rPr lang="en-US"/>
+              <a:rPr lang="en-US" dirty="0"/>
             </a:br>
-            <a:endParaRPr lang="en-US"/>
+            <a:endParaRPr lang="en-US" dirty="0"/>
           </a:p>
         </p:txBody>
       </p:sp>
@@ -19220,4 +19992,299 @@
     </a:ext>
   </a:extLst>
 </a:theme>
+</file>
+
+<file path=ppt/theme/theme2.xml><?xml version="1.0" encoding="utf-8"?>
+<a:theme xmlns:a="http://schemas.openxmlformats.org/drawingml/2006/main" name="Office Theme">
+  <a:themeElements>
+    <a:clrScheme name="Office">
+      <a:dk1>
+        <a:sysClr val="windowText" lastClr="000000"/>
+      </a:dk1>
+      <a:lt1>
+        <a:sysClr val="window" lastClr="FFFFFF"/>
+      </a:lt1>
+      <a:dk2>
+        <a:srgbClr val="44546A"/>
+      </a:dk2>
+      <a:lt2>
+        <a:srgbClr val="E7E6E6"/>
+      </a:lt2>
+      <a:accent1>
+        <a:srgbClr val="4472C4"/>
+      </a:accent1>
+      <a:accent2>
+        <a:srgbClr val="ED7D31"/>
+      </a:accent2>
+      <a:accent3>
+        <a:srgbClr val="A5A5A5"/>
+      </a:accent3>
+      <a:accent4>
+        <a:srgbClr val="FFC000"/>
+      </a:accent4>
+      <a:accent5>
+        <a:srgbClr val="5B9BD5"/>
+      </a:accent5>
+      <a:accent6>
+        <a:srgbClr val="70AD47"/>
+      </a:accent6>
+      <a:hlink>
+        <a:srgbClr val="0563C1"/>
+      </a:hlink>
+      <a:folHlink>
+        <a:srgbClr val="954F72"/>
+      </a:folHlink>
+    </a:clrScheme>
+    <a:fontScheme name="Office">
+      <a:majorFont>
+        <a:latin typeface="Calibri Light" panose="020F0302020204030204"/>
+        <a:ea typeface=""/>
+        <a:cs typeface=""/>
+        <a:font script="Jpan" typeface="游ゴシック Light"/>
+        <a:font script="Hang" typeface="맑은 고딕"/>
+        <a:font script="Hans" typeface="等线 Light"/>
+        <a:font script="Hant" typeface="新細明體"/>
+        <a:font script="Arab" typeface="Times New Roman"/>
+        <a:font script="Hebr" typeface="Times New Roman"/>
+        <a:font script="Thai" typeface="Angsana New"/>
+        <a:font script="Ethi" typeface="Nyala"/>
+        <a:font script="Beng" typeface="Vrinda"/>
+        <a:font script="Gujr" typeface="Shruti"/>
+        <a:font script="Khmr" typeface="MoolBoran"/>
+        <a:font script="Knda" typeface="Tunga"/>
+        <a:font script="Guru" typeface="Raavi"/>
+        <a:font script="Cans" typeface="Euphemia"/>
+        <a:font script="Cher" typeface="Plantagenet Cherokee"/>
+        <a:font script="Yiii" typeface="Microsoft Yi Baiti"/>
+        <a:font script="Tibt" typeface="Microsoft Himalaya"/>
+        <a:font script="Thaa" typeface="MV Boli"/>
+        <a:font script="Deva" typeface="Mangal"/>
+        <a:font script="Telu" typeface="Gautami"/>
+        <a:font script="Taml" typeface="Latha"/>
+        <a:font script="Syrc" typeface="Estrangelo Edessa"/>
+        <a:font script="Orya" typeface="Kalinga"/>
+        <a:font script="Mlym" typeface="Kartika"/>
+        <a:font script="Laoo" typeface="DokChampa"/>
+        <a:font script="Sinh" typeface="Iskoola Pota"/>
+        <a:font script="Mong" typeface="Mongolian Baiti"/>
+        <a:font script="Viet" typeface="Times New Roman"/>
+        <a:font script="Uigh" typeface="Microsoft Uighur"/>
+        <a:font script="Geor" typeface="Sylfaen"/>
+        <a:font script="Armn" typeface="Arial"/>
+        <a:font script="Bugi" typeface="Leelawadee UI"/>
+        <a:font script="Bopo" typeface="Microsoft JhengHei"/>
+        <a:font script="Java" typeface="Javanese Text"/>
+        <a:font script="Lisu" typeface="Segoe UI"/>
+        <a:font script="Mymr" typeface="Myanmar Text"/>
+        <a:font script="Nkoo" typeface="Ebrima"/>
+        <a:font script="Olck" typeface="Nirmala UI"/>
+        <a:font script="Osma" typeface="Ebrima"/>
+        <a:font script="Phag" typeface="Phagspa"/>
+        <a:font script="Syrn" typeface="Estrangelo Edessa"/>
+        <a:font script="Syrj" typeface="Estrangelo Edessa"/>
+        <a:font script="Syre" typeface="Estrangelo Edessa"/>
+        <a:font script="Sora" typeface="Nirmala UI"/>
+        <a:font script="Tale" typeface="Microsoft Tai Le"/>
+        <a:font script="Talu" typeface="Microsoft New Tai Lue"/>
+        <a:font script="Tfng" typeface="Ebrima"/>
+      </a:majorFont>
+      <a:minorFont>
+        <a:latin typeface="Calibri" panose="020F0502020204030204"/>
+        <a:ea typeface=""/>
+        <a:cs typeface=""/>
+        <a:font script="Jpan" typeface="游ゴシック"/>
+        <a:font script="Hang" typeface="맑은 고딕"/>
+        <a:font script="Hans" typeface="等线"/>
+        <a:font script="Hant" typeface="新細明體"/>
+        <a:font script="Arab" typeface="Arial"/>
+        <a:font script="Hebr" typeface="Arial"/>
+        <a:font script="Thai" typeface="Cordia New"/>
+        <a:font script="Ethi" typeface="Nyala"/>
+        <a:font script="Beng" typeface="Vrinda"/>
+        <a:font script="Gujr" typeface="Shruti"/>
+        <a:font script="Khmr" typeface="DaunPenh"/>
+        <a:font script="Knda" typeface="Tunga"/>
+        <a:font script="Guru" typeface="Raavi"/>
+        <a:font script="Cans" typeface="Euphemia"/>
+        <a:font script="Cher" typeface="Plantagenet Cherokee"/>
+        <a:font script="Yiii" typeface="Microsoft Yi Baiti"/>
+        <a:font script="Tibt" typeface="Microsoft Himalaya"/>
+        <a:font script="Thaa" typeface="MV Boli"/>
+        <a:font script="Deva" typeface="Mangal"/>
+        <a:font script="Telu" typeface="Gautami"/>
+        <a:font script="Taml" typeface="Latha"/>
+        <a:font script="Syrc" typeface="Estrangelo Edessa"/>
+        <a:font script="Orya" typeface="Kalinga"/>
+        <a:font script="Mlym" typeface="Kartika"/>
+        <a:font script="Laoo" typeface="DokChampa"/>
+        <a:font script="Sinh" typeface="Iskoola Pota"/>
+        <a:font script="Mong" typeface="Mongolian Baiti"/>
+        <a:font script="Viet" typeface="Arial"/>
+        <a:font script="Uigh" typeface="Microsoft Uighur"/>
+        <a:font script="Geor" typeface="Sylfaen"/>
+        <a:font script="Armn" typeface="Arial"/>
+        <a:font script="Bugi" typeface="Leelawadee UI"/>
+        <a:font script="Bopo" typeface="Microsoft JhengHei"/>
+        <a:font script="Java" typeface="Javanese Text"/>
+        <a:font script="Lisu" typeface="Segoe UI"/>
+        <a:font script="Mymr" typeface="Myanmar Text"/>
+        <a:font script="Nkoo" typeface="Ebrima"/>
+        <a:font script="Olck" typeface="Nirmala UI"/>
+        <a:font script="Osma" typeface="Ebrima"/>
+        <a:font script="Phag" typeface="Phagspa"/>
+        <a:font script="Syrn" typeface="Estrangelo Edessa"/>
+        <a:font script="Syrj" typeface="Estrangelo Edessa"/>
+        <a:font script="Syre" typeface="Estrangelo Edessa"/>
+        <a:font script="Sora" typeface="Nirmala UI"/>
+        <a:font script="Tale" typeface="Microsoft Tai Le"/>
+        <a:font script="Talu" typeface="Microsoft New Tai Lue"/>
+        <a:font script="Tfng" typeface="Ebrima"/>
+      </a:minorFont>
+    </a:fontScheme>
+    <a:fmtScheme name="Office">
+      <a:fillStyleLst>
+        <a:solidFill>
+          <a:schemeClr val="phClr"/>
+        </a:solidFill>
+        <a:gradFill rotWithShape="1">
+          <a:gsLst>
+            <a:gs pos="0">
+              <a:schemeClr val="phClr">
+                <a:lumMod val="110000"/>
+                <a:satMod val="105000"/>
+                <a:tint val="67000"/>
+              </a:schemeClr>
+            </a:gs>
+            <a:gs pos="50000">
+              <a:schemeClr val="phClr">
+                <a:lumMod val="105000"/>
+                <a:satMod val="103000"/>
+                <a:tint val="73000"/>
+              </a:schemeClr>
+            </a:gs>
+            <a:gs pos="100000">
+              <a:schemeClr val="phClr">
+                <a:lumMod val="105000"/>
+                <a:satMod val="109000"/>
+                <a:tint val="81000"/>
+              </a:schemeClr>
+            </a:gs>
+          </a:gsLst>
+          <a:lin ang="5400000" scaled="0"/>
+        </a:gradFill>
+        <a:gradFill rotWithShape="1">
+          <a:gsLst>
+            <a:gs pos="0">
+              <a:schemeClr val="phClr">
+                <a:satMod val="103000"/>
+                <a:lumMod val="102000"/>
+                <a:tint val="94000"/>
+              </a:schemeClr>
+            </a:gs>
+            <a:gs pos="50000">
+              <a:schemeClr val="phClr">
+                <a:satMod val="110000"/>
+                <a:lumMod val="100000"/>
+                <a:shade val="100000"/>
+              </a:schemeClr>
+            </a:gs>
+            <a:gs pos="100000">
+              <a:schemeClr val="phClr">
+                <a:lumMod val="99000"/>
+                <a:satMod val="120000"/>
+                <a:shade val="78000"/>
+              </a:schemeClr>
+            </a:gs>
+          </a:gsLst>
+          <a:lin ang="5400000" scaled="0"/>
+        </a:gradFill>
+      </a:fillStyleLst>
+      <a:lnStyleLst>
+        <a:ln w="6350" cap="flat" cmpd="sng" algn="ctr">
+          <a:solidFill>
+            <a:schemeClr val="phClr"/>
+          </a:solidFill>
+          <a:prstDash val="solid"/>
+          <a:miter lim="800000"/>
+        </a:ln>
+        <a:ln w="12700" cap="flat" cmpd="sng" algn="ctr">
+          <a:solidFill>
+            <a:schemeClr val="phClr"/>
+          </a:solidFill>
+          <a:prstDash val="solid"/>
+          <a:miter lim="800000"/>
+        </a:ln>
+        <a:ln w="19050" cap="flat" cmpd="sng" algn="ctr">
+          <a:solidFill>
+            <a:schemeClr val="phClr"/>
+          </a:solidFill>
+          <a:prstDash val="solid"/>
+          <a:miter lim="800000"/>
+        </a:ln>
+      </a:lnStyleLst>
+      <a:effectStyleLst>
+        <a:effectStyle>
+          <a:effectLst/>
+        </a:effectStyle>
+        <a:effectStyle>
+          <a:effectLst/>
+        </a:effectStyle>
+        <a:effectStyle>
+          <a:effectLst>
+            <a:outerShdw blurRad="57150" dist="19050" dir="5400000" algn="ctr" rotWithShape="0">
+              <a:srgbClr val="000000">
+                <a:alpha val="63000"/>
+              </a:srgbClr>
+            </a:outerShdw>
+          </a:effectLst>
+        </a:effectStyle>
+      </a:effectStyleLst>
+      <a:bgFillStyleLst>
+        <a:solidFill>
+          <a:schemeClr val="phClr"/>
+        </a:solidFill>
+        <a:solidFill>
+          <a:schemeClr val="phClr">
+            <a:tint val="95000"/>
+            <a:satMod val="170000"/>
+          </a:schemeClr>
+        </a:solidFill>
+        <a:gradFill rotWithShape="1">
+          <a:gsLst>
+            <a:gs pos="0">
+              <a:schemeClr val="phClr">
+                <a:tint val="93000"/>
+                <a:satMod val="150000"/>
+                <a:shade val="98000"/>
+                <a:lumMod val="102000"/>
+              </a:schemeClr>
+            </a:gs>
+            <a:gs pos="50000">
+              <a:schemeClr val="phClr">
+                <a:tint val="98000"/>
+                <a:satMod val="130000"/>
+                <a:shade val="90000"/>
+                <a:lumMod val="103000"/>
+              </a:schemeClr>
+            </a:gs>
+            <a:gs pos="100000">
+              <a:schemeClr val="phClr">
+                <a:shade val="63000"/>
+                <a:satMod val="120000"/>
+              </a:schemeClr>
+            </a:gs>
+          </a:gsLst>
+          <a:lin ang="5400000" scaled="0"/>
+        </a:gradFill>
+      </a:bgFillStyleLst>
+    </a:fmtScheme>
+  </a:themeElements>
+  <a:objectDefaults/>
+  <a:extraClrSchemeLst/>
+  <a:extLst>
+    <a:ext uri="{05A4C25C-085E-4340-85A3-A5531E510DB2}">
+      <thm15:themeFamily xmlns:thm15="http://schemas.microsoft.com/office/thememl/2012/main" name="Office Theme" id="{62F939B6-93AF-4DB8-9C6B-D6C7DFDC589F}" vid="{4A3C46E8-61CC-4603-A589-7422A47A8E4A}"/>
+    </a:ext>
+  </a:extLst>
+</a:theme>
 </file>